--- a/documentation/Calendar+ Poster.pptx
+++ b/documentation/Calendar+ Poster.pptx
@@ -120,8 +120,9 @@
   <p1510:revLst>
     <p1510:client id="{013F804D-3A7A-4F50-AC57-5EBF51FBC64C}" v="3360" dt="2022-04-13T21:22:27.270"/>
     <p1510:client id="{3AB35CE4-D4BB-4DA6-A1CA-CF41F92F4F69}" v="317" dt="2022-04-14T17:12:47.397"/>
+    <p1510:client id="{48A85A59-E5A6-DFB4-0F6C-13259D7269EA}" v="275" dt="2022-04-14T18:47:33.127"/>
     <p1510:client id="{7242DD8C-0785-F525-410A-74B5709B8D78}" v="385" dt="2022-04-14T02:14:10.904"/>
-    <p1510:client id="{C0CFB108-D67A-EB4B-8030-75B8CA3703F6}" v="60" dt="2022-04-14T17:35:20.653"/>
+    <p1510:client id="{C0CFB108-D67A-EB4B-8030-75B8CA3703F6}" v="377" dt="2022-04-14T18:59:48.631"/>
     <p1510:client id="{C431A161-E7FC-EBC0-C68E-5CF5F7B71F43}" v="2" dt="2022-04-13T00:38:01.798"/>
     <p1510:client id="{FA8CAA78-F807-BDAA-7841-CAE5F4BB70FD}" v="297" dt="2022-04-13T22:03:14.617"/>
   </p1510:revLst>
@@ -3440,20 +3441,20 @@
           <a:p>
             <a:pPr indent="457200" algn="just"/>
             <a:r>
-              <a:rPr lang="en-US" sz="3200" dirty="0">
+              <a:rPr lang="en-US" sz="3200">
                 <a:ea typeface="+mn-lt"/>
                 <a:cs typeface="+mn-lt"/>
               </a:rPr>
               <a:t>Calendar+ is a calendar run as a dynamic web application that helps users personalize their schedule as they see fit. Through a simple account creation, a user's calendar is personalized to them. Accessed through the Google Chrome web browser, users can view their calendar from any Windows 10 device. Calendar+ makes it to where users can plan their days, weeks, months, and years according to their own needs. Through web browser notifications, users are reminded of important events that they have scheduled.</a:t>
             </a:r>
-            <a:endParaRPr lang="en-US" dirty="0">
+            <a:endParaRPr lang="en-US">
               <a:ea typeface="+mn-lt"/>
               <a:cs typeface="+mn-lt"/>
             </a:endParaRPr>
           </a:p>
           <a:p>
             <a:pPr indent="457200" algn="just"/>
-            <a:endParaRPr lang="en-US" sz="3200" dirty="0">
+            <a:endParaRPr lang="en-US" sz="3200">
               <a:ea typeface="+mn-lt"/>
               <a:cs typeface="+mn-lt"/>
             </a:endParaRPr>
@@ -3461,13 +3462,13 @@
           <a:p>
             <a:pPr indent="457200" algn="just"/>
             <a:r>
-              <a:rPr lang="en-US" sz="3200" dirty="0">
+              <a:rPr lang="en-US" sz="3200">
                 <a:ea typeface="+mn-lt"/>
                 <a:cs typeface="+mn-lt"/>
               </a:rPr>
               <a:t>Time management is an important part of day-today- life, whether as a student, or a full-time employee, and Calendar+ acts as a place for users to keep track of their schedules and become more productive.</a:t>
             </a:r>
-            <a:endParaRPr lang="en-US" dirty="0">
+            <a:endParaRPr lang="en-US">
               <a:ea typeface="+mn-lt"/>
               <a:cs typeface="+mn-lt"/>
             </a:endParaRPr>
@@ -3766,82 +3767,20 @@
           <a:p>
             <a:pPr indent="457200"/>
             <a:r>
-              <a:rPr lang="en-US" sz="3200" dirty="0"/>
-              <a:t>For the Web stack, Calendar+ uses </a:t>
-            </a:r>
-            <a:r>
-              <a:rPr lang="en-US" sz="3200" b="1" dirty="0"/>
-              <a:t>Node.js </a:t>
-            </a:r>
-            <a:r>
-              <a:rPr lang="en-US" sz="3200" dirty="0"/>
-              <a:t>and </a:t>
-            </a:r>
-            <a:r>
-              <a:rPr lang="en-US" sz="3200" b="1" dirty="0"/>
-              <a:t>Express.js </a:t>
-            </a:r>
-            <a:r>
-              <a:rPr lang="en-US" sz="3200" dirty="0"/>
-              <a:t>for the backend, </a:t>
-            </a:r>
-            <a:r>
-              <a:rPr lang="en-US" sz="3200" b="1" dirty="0"/>
-              <a:t>MySQL</a:t>
-            </a:r>
-            <a:r>
-              <a:rPr lang="en-US" sz="3200" dirty="0"/>
-              <a:t> via </a:t>
-            </a:r>
-            <a:r>
-              <a:rPr lang="en-US" sz="3200" b="1" dirty="0"/>
-              <a:t>XAMPP</a:t>
-            </a:r>
-            <a:r>
-              <a:rPr lang="en-US" sz="3200" dirty="0"/>
-              <a:t> for the database, </a:t>
-            </a:r>
-            <a:r>
-              <a:rPr lang="en-US" sz="3200" b="1" dirty="0" err="1"/>
+              <a:rPr lang="en-US" sz="3200"/>
+              <a:t>For the web stack, Calendar+ uses Node.js and Express.js for the backend, MySQL via XAMPP for the database, </a:t>
+            </a:r>
+            <a:r>
+              <a:rPr lang="en-US" sz="3200" err="1"/>
               <a:t>Linode</a:t>
             </a:r>
             <a:r>
-              <a:rPr lang="en-US" sz="3200" dirty="0"/>
-              <a:t> for cloud hosting, and </a:t>
-            </a:r>
-            <a:r>
-              <a:rPr lang="en-US" sz="3200" b="1" dirty="0"/>
-              <a:t>HTML</a:t>
-            </a:r>
-            <a:r>
-              <a:rPr lang="en-US" sz="3200" dirty="0"/>
-              <a:t>/</a:t>
-            </a:r>
-            <a:r>
-              <a:rPr lang="en-US" sz="3200" b="1" dirty="0"/>
-              <a:t>CSS</a:t>
-            </a:r>
-            <a:r>
-              <a:rPr lang="en-US" sz="3200" dirty="0"/>
-              <a:t>/</a:t>
-            </a:r>
-            <a:r>
-              <a:rPr lang="en-US" sz="3200" b="1" dirty="0"/>
-              <a:t>JavaScript</a:t>
-            </a:r>
-            <a:r>
-              <a:rPr lang="en-US" sz="3200" dirty="0"/>
-              <a:t> for its programming languages.</a:t>
-            </a:r>
-            <a:r>
-              <a:rPr lang="en-US" sz="3200" b="1" dirty="0"/>
-              <a:t> </a:t>
-            </a:r>
-            <a:r>
-              <a:rPr lang="en-US" sz="3200" dirty="0"/>
-              <a:t>We chose these technologies as they were commonly found in the private sector.</a:t>
-            </a:r>
-            <a:endParaRPr lang="en-US"/>
+              <a:rPr lang="en-US" sz="3200"/>
+              <a:t> for cloud hosting, and HTML/CSS/JavaScript for its programming languages. We chose these technologies as they were commonly found in the private sector.</a:t>
+            </a:r>
+            <a:endParaRPr lang="en-US" sz="7250">
+              <a:cs typeface="Calibri"/>
+            </a:endParaRPr>
           </a:p>
           <a:p>
             <a:pPr indent="457200"/>
@@ -3853,68 +3792,28 @@
           <a:p>
             <a:pPr indent="457200"/>
             <a:r>
-              <a:rPr lang="en-US" sz="3200" dirty="0"/>
-              <a:t>We also use </a:t>
-            </a:r>
-            <a:r>
-              <a:rPr lang="en-US" sz="3200" b="1" dirty="0"/>
-              <a:t>Git</a:t>
-            </a:r>
-            <a:r>
-              <a:rPr lang="en-US" sz="3200" dirty="0"/>
-              <a:t> as our primary version control system, </a:t>
-            </a:r>
-            <a:r>
-              <a:rPr lang="en-US" sz="3200" b="1" dirty="0"/>
-              <a:t>GitHub</a:t>
-            </a:r>
-            <a:r>
-              <a:rPr lang="en-US" sz="3200" dirty="0"/>
-              <a:t> as our repository host, and </a:t>
-            </a:r>
-            <a:r>
-              <a:rPr lang="en-US" sz="3200" b="1" dirty="0"/>
-              <a:t>Visual Studio Code </a:t>
-            </a:r>
-            <a:r>
-              <a:rPr lang="en-US" sz="3200" dirty="0"/>
-              <a:t>as our code editor.</a:t>
-            </a:r>
-            <a:endParaRPr lang="en-US" sz="3200" dirty="0">
+              <a:rPr lang="en-US" sz="3200"/>
+              <a:t>We also use git as our primary version control system, GitHub as our repository host, and Visual Studio Code as our code editor.</a:t>
+            </a:r>
+            <a:endParaRPr lang="en-US" sz="3200">
               <a:ea typeface="Calibri"/>
               <a:cs typeface="Calibri"/>
             </a:endParaRPr>
           </a:p>
           <a:p>
             <a:pPr indent="457200"/>
-            <a:endParaRPr lang="en-US" sz="3200" b="1">
-              <a:ea typeface="Calibri" panose="020F0502020204030204"/>
-              <a:cs typeface="Calibri" panose="020F0502020204030204"/>
+            <a:endParaRPr lang="en-US" sz="3200">
+              <a:ea typeface="Calibri"/>
+              <a:cs typeface="Calibri"/>
             </a:endParaRPr>
           </a:p>
           <a:p>
             <a:pPr indent="457200"/>
             <a:r>
-              <a:rPr lang="en-US" sz="3200" dirty="0"/>
-              <a:t>Our target platform is the </a:t>
-            </a:r>
-            <a:r>
-              <a:rPr lang="en-US" sz="3200" b="1" dirty="0"/>
-              <a:t>Google Chrome </a:t>
-            </a:r>
-            <a:r>
-              <a:rPr lang="en-US" sz="3200" dirty="0"/>
-              <a:t>browser on the </a:t>
-            </a:r>
-            <a:r>
-              <a:rPr lang="en-US" sz="3200" b="1" dirty="0"/>
-              <a:t>Windows 10</a:t>
-            </a:r>
-            <a:r>
-              <a:rPr lang="en-US" sz="3200" dirty="0"/>
-              <a:t> operating system.</a:t>
-            </a:r>
-            <a:endParaRPr lang="en-US" sz="3200" b="1" dirty="0">
+              <a:rPr lang="en-US" sz="3200"/>
+              <a:t>Our target platform is the Google Chrome browser on the Windows 10 operating system.</a:t>
+            </a:r>
+            <a:endParaRPr lang="en-US" sz="3200">
               <a:ea typeface="Calibri" panose="020F0502020204030204"/>
               <a:cs typeface="Calibri" panose="020F0502020204030204"/>
             </a:endParaRPr>
@@ -3995,7 +3894,7 @@
         <p:spPr>
           <a:xfrm>
             <a:off x="20116800" y="7315200"/>
-            <a:ext cx="7543800" cy="11910953"/>
+            <a:ext cx="7543800" cy="13880723"/>
           </a:xfrm>
           <a:prstGeom prst="rect">
             <a:avLst/>
@@ -4023,11 +3922,11 @@
           <a:p>
             <a:pPr indent="457200" algn="just"/>
             <a:r>
-              <a:rPr lang="en-US" sz="3200" dirty="0">
+              <a:rPr lang="en-US" sz="3200">
                 <a:ea typeface="+mn-lt"/>
                 <a:cs typeface="+mn-lt"/>
               </a:rPr>
-              <a:t>There are a total of seven pages and layouts, including: Login, Registration, Month view, Week view, Day view, Year view, and Schedule view. Almost all page elements use the CSS Flex property, to maintain some level of responsiveness regardless of what resolution the website is being viewed at. Whenever someone visits the site and is not logged in, they will be greeted by the Login page.</a:t>
+              <a:t>There are a total of seven pages and layouts, including: Login, Registration, Month view, Week view, Day view, Year view, and Schedule view. The page uses responsive design. Whenever someone visits the site and is not logged in, they will be greeted by the Login page.</a:t>
             </a:r>
             <a:endParaRPr lang="en-US"/>
           </a:p>
@@ -4041,7 +3940,7 @@
           <a:p>
             <a:pPr indent="457200" algn="just"/>
             <a:r>
-              <a:rPr lang="en-US" sz="3200" dirty="0">
+              <a:rPr lang="en-US" sz="3200">
                 <a:ea typeface="+mn-lt"/>
                 <a:cs typeface="+mn-lt"/>
               </a:rPr>
@@ -4058,11 +3957,28 @@
           <a:p>
             <a:pPr indent="457200" algn="just"/>
             <a:r>
-              <a:rPr lang="en-US" sz="3200" dirty="0">
+              <a:rPr lang="en-US" sz="3200">
                 <a:ea typeface="+mn-lt"/>
                 <a:cs typeface="+mn-lt"/>
               </a:rPr>
-              <a:t>Events can span multiple cells (days or hours, depending on the view). On the day and week views, if there are multiple events that occur at the same time, each event occupies (100% * n) of the width of that column, where n is equal to the number of tiles that would overlap.</a:t>
+              <a:t>Events can span multiple cells, e.g., days or hours, depending on the view. On the day and week views, if there are multiple events that occur at the same time, each event occupies a proportional width of that column.</a:t>
+            </a:r>
+          </a:p>
+          <a:p>
+            <a:pPr indent="457200" algn="just"/>
+            <a:endParaRPr lang="en-US" sz="3200">
+              <a:ea typeface="+mn-lt"/>
+              <a:cs typeface="+mn-lt"/>
+            </a:endParaRPr>
+          </a:p>
+          <a:p>
+            <a:pPr indent="457200" algn="just"/>
+            <a:r>
+              <a:rPr lang="en-US" sz="3200">
+                <a:ea typeface="+mn-lt"/>
+                <a:cs typeface="+mn-lt"/>
+              </a:rPr>
+              <a:t>Within the database there are two tables, Users and Events. The Users table contains the log-in data of all user accounts. The Events table contains all events data across all users. Each event can only be linked to one user, but each user can be linked to many events.</a:t>
             </a:r>
           </a:p>
         </p:txBody>
@@ -4169,7 +4085,7 @@
           <a:p>
             <a:pPr indent="457200" algn="just"/>
             <a:r>
-              <a:rPr lang="en-US" sz="3200" dirty="0"/>
+              <a:rPr lang="en-US" sz="3200"/>
               <a:t>There are many areas for future improvement of Calendar+. One future improvement is the implementation of multiple calendars which would allow users to toggle on/off a set of events. Such an improvement would allow users to better organize their events. Another area for future work is to implement event search by event title, allowing users to find specific events in their busy schedules. It would also be natural to implement Google Maps integration for those events, allowing users to obtain directions to destinations. To-do lists and tasks implementation would also add considerable utility to Calendar+ as would a mobile app port.</a:t>
             </a:r>
             <a:endParaRPr lang="en-US"/>
@@ -4184,10 +4100,10 @@
           <a:p>
             <a:pPr indent="457200" algn="just"/>
             <a:r>
-              <a:rPr lang="en-US" sz="3200" dirty="0"/>
+              <a:rPr lang="en-US" sz="3200"/>
               <a:t>Backend improvements could also be made. For example, user session data could be stored in MySQL instead of the Express default.</a:t>
             </a:r>
-            <a:endParaRPr lang="en-US" sz="3200" dirty="0">
+            <a:endParaRPr lang="en-US" sz="3200">
               <a:ea typeface="Calibri" panose="020F0502020204030204"/>
               <a:cs typeface="Calibri"/>
             </a:endParaRPr>
@@ -4302,7 +4218,7 @@
           <a:p>
             <a:pPr algn="ctr"/>
             <a:r>
-              <a:rPr lang="en-US" sz="4800" b="1" dirty="0">
+              <a:rPr lang="en-US" sz="4800" b="1">
                 <a:solidFill>
                   <a:srgbClr val="BB1C3F"/>
                 </a:solidFill>
@@ -4355,22 +4271,22 @@
           <a:p>
             <a:pPr indent="457200" algn="just"/>
             <a:r>
-              <a:rPr lang="en-US" sz="3200" dirty="0"/>
+              <a:rPr lang="en-US" sz="3200"/>
               <a:t>For many of us, time is the most precious resource as it can never be returned. As such, time budgeting has become one of the most important tools in our daily lives. It is not only about knowing what one might do at what time and for how long, but also about other important details such as the specific details of planned events and the location of such events. Along the way, one might even desire to be reminded of important events some time before event start. Indeed, a calendar application would promote personal accountability, realistic event/task duration estimation, task prioritization, and event time boundary setting.</a:t>
             </a:r>
             <a:endParaRPr lang="en-US"/>
           </a:p>
           <a:p>
             <a:pPr indent="457200" algn="just"/>
-            <a:endParaRPr lang="en-US" sz="3200" dirty="0"/>
+            <a:endParaRPr lang="en-US" sz="3200"/>
           </a:p>
           <a:p>
             <a:pPr indent="457200" algn="just"/>
             <a:r>
-              <a:rPr lang="en-US" sz="3200" dirty="0"/>
+              <a:rPr lang="en-US" sz="3200"/>
               <a:t>Calendar+ is designed to fulfill these needs. As a web application, it can be accessed from a Windows laptop with an Internet connection anywhere in the world. </a:t>
             </a:r>
-            <a:endParaRPr lang="en-US" sz="3200" dirty="0">
+            <a:endParaRPr lang="en-US" sz="3200">
               <a:ea typeface="Calibri"/>
               <a:cs typeface="Calibri"/>
             </a:endParaRPr>
@@ -4423,7 +4339,7 @@
           <a:p>
             <a:pPr algn="just"/>
             <a:r>
-              <a:rPr lang="en-US" sz="3200" b="1" dirty="0">
+              <a:rPr lang="en-US" sz="3200" b="1">
                 <a:solidFill>
                   <a:srgbClr val="BB1C3F"/>
                 </a:solidFill>
@@ -4431,10 +4347,10 @@
               <a:t>Figure 5: </a:t>
             </a:r>
             <a:r>
-              <a:rPr lang="en-US" sz="3200" dirty="0"/>
+              <a:rPr lang="en-US" sz="3200"/>
               <a:t>The year view, displays a grid of all months, clicking on a date brings the user to the day view for the specific date which was clicked on. Clicking on a month's name brings the user to the month view for that specific month.</a:t>
             </a:r>
-            <a:endParaRPr lang="en-US" sz="3200" dirty="0">
+            <a:endParaRPr lang="en-US" sz="3200">
               <a:ea typeface="Calibri"/>
               <a:cs typeface="Calibri"/>
             </a:endParaRPr>
@@ -4455,7 +4371,7 @@
         </p:nvSpPr>
         <p:spPr>
           <a:xfrm>
-            <a:off x="20116800" y="24896293"/>
+            <a:off x="20116800" y="25880201"/>
             <a:ext cx="7543800" cy="2062103"/>
           </a:xfrm>
           <a:prstGeom prst="rect">
@@ -4496,16 +4412,11 @@
             </a:r>
             <a:r>
               <a:rPr lang="en-US" sz="3200"/>
-              <a:t>The Entity Relationship Diagram (ERD) for Calendar+. </a:t>
-            </a:r>
-          </a:p>
-          <a:p>
-            <a:pPr algn="just"/>
-            <a:r>
-              <a:rPr lang="en-US" sz="3200"/>
-              <a:t>Depicts a one-to-many relationship: one user may have many events.</a:t>
-            </a:r>
-            <a:endParaRPr lang="en-US"/>
+              <a:t>The Entity Relationship Diagram (ERD) for Calendar+. Depicts a one-to-many relationship: one user may have many events.</a:t>
+            </a:r>
+            <a:endParaRPr lang="en-US" sz="7250">
+              <a:cs typeface="Calibri"/>
+            </a:endParaRPr>
           </a:p>
         </p:txBody>
       </p:sp>
@@ -4523,7 +4434,7 @@
         </p:nvSpPr>
         <p:spPr>
           <a:xfrm>
-            <a:off x="10748155" y="22372321"/>
+            <a:off x="10748155" y="22285694"/>
             <a:ext cx="7543800" cy="4524315"/>
           </a:xfrm>
           <a:prstGeom prst="rect">
@@ -4555,7 +4466,7 @@
           <a:p>
             <a:pPr algn="just"/>
             <a:r>
-              <a:rPr lang="en-US" sz="3200" b="1" dirty="0">
+              <a:rPr lang="en-US" sz="3200" b="1">
                 <a:solidFill>
                   <a:srgbClr val="BB1C3F"/>
                 </a:solidFill>
@@ -4563,7 +4474,7 @@
               <a:t>Figure 2: </a:t>
             </a:r>
             <a:r>
-              <a:rPr lang="en-US" sz="3200" dirty="0"/>
+              <a:rPr lang="en-US" sz="3200"/>
               <a:t>The month view, a 7x5 or 7x6 grid of cells containing the number of the day, and any events that fall on that day. Clicking a date on the calendar brings the user to the day view for that specific date. There is a month calendar on the sidebar which only shows the current month, for easy navigation back to the current day or month when the user is in a different view.  </a:t>
             </a:r>
           </a:p>
@@ -4583,7 +4494,7 @@
         </p:nvSpPr>
         <p:spPr>
           <a:xfrm>
-            <a:off x="29489400" y="25654867"/>
+            <a:off x="29489400" y="25137523"/>
             <a:ext cx="7543800" cy="830997"/>
           </a:xfrm>
           <a:prstGeom prst="rect">
@@ -4642,7 +4553,7 @@
         </p:nvSpPr>
         <p:spPr>
           <a:xfrm>
-            <a:off x="29499072" y="26485864"/>
+            <a:off x="29499072" y="25968520"/>
             <a:ext cx="7543800" cy="5509200"/>
           </a:xfrm>
           <a:prstGeom prst="rect">
@@ -4798,7 +4709,7 @@
         </p:nvSpPr>
         <p:spPr>
           <a:xfrm>
-            <a:off x="29489400" y="32497775"/>
+            <a:off x="29489400" y="31980431"/>
             <a:ext cx="7543800" cy="914400"/>
           </a:xfrm>
           <a:prstGeom prst="rect">
@@ -4857,8 +4768,8 @@
         </p:nvSpPr>
         <p:spPr>
           <a:xfrm>
-            <a:off x="29462061" y="33371790"/>
-            <a:ext cx="7543800" cy="3539430"/>
+            <a:off x="29462061" y="32854446"/>
+            <a:ext cx="7543800" cy="4031873"/>
           </a:xfrm>
           <a:prstGeom prst="rect">
             <a:avLst/>
@@ -4879,7 +4790,7 @@
           </a:fontRef>
         </p:style>
         <p:txBody>
-          <a:bodyPr wrap="square" rtlCol="0">
+          <a:bodyPr wrap="square" lIns="91440" tIns="45720" rIns="91440" bIns="45720" rtlCol="0" anchor="t">
             <a:spAutoFit/>
           </a:bodyPr>
           <a:lstStyle/>
@@ -4887,7 +4798,7 @@
             <a:pPr algn="just"/>
             <a:r>
               <a:rPr lang="en-US" sz="3200"/>
-              <a:t>We would like to thank Dr. Karen Meisch for her support of students in the College of Science, Technology, Engineering &amp; Mathematics, and Dr. Leong Lee for his support of students in the Department of Computer Science and Information Technology.</a:t>
+              <a:t>We would like to thank Dr. Karen Meisch for her support of students in the College of Science, Technology, Engineering &amp; Mathematics, Dr. Leong Lee for his support of students in the Department of Computer Science and Information Technology, and Dr. John Nicholson for his support and guidance over the course of this project.</a:t>
             </a:r>
           </a:p>
         </p:txBody>
@@ -4985,7 +4896,7 @@
         </p:blipFill>
         <p:spPr>
           <a:xfrm>
-            <a:off x="10770644" y="16665215"/>
+            <a:off x="10770644" y="16578588"/>
             <a:ext cx="7475593" cy="5523184"/>
           </a:xfrm>
           <a:prstGeom prst="rect">
@@ -5099,7 +5010,7 @@
           <a:p>
             <a:pPr algn="just"/>
             <a:r>
-              <a:rPr lang="en-US" sz="3200" b="1" dirty="0">
+              <a:rPr lang="en-US" sz="3200" b="1">
                 <a:solidFill>
                   <a:srgbClr val="BB1C3F"/>
                 </a:solidFill>
@@ -5107,7 +5018,7 @@
               <a:t>Figure 3: </a:t>
             </a:r>
             <a:r>
-              <a:rPr lang="en-US" sz="3200" dirty="0">
+              <a:rPr lang="en-US" sz="3200">
                 <a:solidFill>
                   <a:srgbClr val="000000"/>
                 </a:solidFill>
@@ -5121,36 +5032,6 @@
           </a:p>
         </p:txBody>
       </p:sp>
-      <p:pic>
-        <p:nvPicPr>
-          <p:cNvPr id="2" name="Picture 3" descr="Diagram&#10;&#10;Description automatically generated">
-            <a:extLst>
-              <a:ext uri="{FF2B5EF4-FFF2-40B4-BE49-F238E27FC236}">
-                <a16:creationId xmlns:a16="http://schemas.microsoft.com/office/drawing/2014/main" id="{603EF4E8-3B98-A42D-A573-A36C334FA1BD}"/>
-              </a:ext>
-            </a:extLst>
-          </p:cNvPr>
-          <p:cNvPicPr>
-            <a:picLocks noChangeAspect="1"/>
-          </p:cNvPicPr>
-          <p:nvPr/>
-        </p:nvPicPr>
-        <p:blipFill>
-          <a:blip r:embed="rId14"/>
-          <a:stretch>
-            <a:fillRect/>
-          </a:stretch>
-        </p:blipFill>
-        <p:spPr>
-          <a:xfrm>
-            <a:off x="20113730" y="20284951"/>
-            <a:ext cx="7543800" cy="4444660"/>
-          </a:xfrm>
-          <a:prstGeom prst="rect">
-            <a:avLst/>
-          </a:prstGeom>
-        </p:spPr>
-      </p:pic>
       <p:pic>
         <p:nvPicPr>
           <p:cNvPr id="35" name="Picture 3">
@@ -5166,7 +5047,7 @@
           <p:nvPr/>
         </p:nvPicPr>
         <p:blipFill>
-          <a:blip r:embed="rId15">
+          <a:blip r:embed="rId14">
             <a:extLst>
               <a:ext uri="{28A0092B-C50C-407E-A947-70E740481C1C}">
                 <a14:useLocalDpi xmlns:a14="http://schemas.microsoft.com/office/drawing/2010/main" val="0"/>
@@ -5280,14 +5161,14 @@
           <p:nvPr/>
         </p:nvPicPr>
         <p:blipFill>
-          <a:blip r:embed="rId16"/>
+          <a:blip r:embed="rId15"/>
           <a:stretch>
             <a:fillRect/>
           </a:stretch>
         </p:blipFill>
         <p:spPr>
           <a:xfrm>
-            <a:off x="29492613" y="19269942"/>
+            <a:off x="29492613" y="19004430"/>
             <a:ext cx="7530302" cy="2574848"/>
           </a:xfrm>
           <a:prstGeom prst="rect">
@@ -5309,7 +5190,7 @@
         </p:nvSpPr>
         <p:spPr>
           <a:xfrm>
-            <a:off x="29492614" y="21917416"/>
+            <a:off x="29492614" y="21651905"/>
             <a:ext cx="7534144" cy="2554545"/>
           </a:xfrm>
           <a:prstGeom prst="rect">
@@ -5328,7 +5209,7 @@
           <a:p>
             <a:pPr algn="just"/>
             <a:r>
-              <a:rPr lang="en-US" sz="3200" b="1" dirty="0">
+              <a:rPr lang="en-US" sz="3200" b="1">
                 <a:solidFill>
                   <a:srgbClr val="BB1C3F"/>
                 </a:solidFill>
@@ -5337,7 +5218,7 @@
               <a:t>Figure 6: </a:t>
             </a:r>
             <a:r>
-              <a:rPr lang="en-US" sz="3200" dirty="0">
+              <a:rPr lang="en-US" sz="3200">
                 <a:ea typeface="+mn-lt"/>
                 <a:cs typeface="+mn-lt"/>
               </a:rPr>
@@ -5346,44 +5227,36 @@
           </a:p>
         </p:txBody>
       </p:sp>
-      <p:sp>
-        <p:nvSpPr>
-          <p:cNvPr id="10" name="TextBox 9">
+      <p:pic>
+        <p:nvPicPr>
+          <p:cNvPr id="7" name="Picture 11" descr="Diagram&#10;&#10;Description automatically generated">
             <a:extLst>
               <a:ext uri="{FF2B5EF4-FFF2-40B4-BE49-F238E27FC236}">
-                <a16:creationId xmlns:a16="http://schemas.microsoft.com/office/drawing/2014/main" id="{73BD2F12-B511-AC46-BAC2-CAB586C1169B}"/>
+                <a16:creationId xmlns:a16="http://schemas.microsoft.com/office/drawing/2014/main" id="{95CC1346-FEDE-E4C6-48F2-91F9AFD795A5}"/>
               </a:ext>
             </a:extLst>
           </p:cNvPr>
-          <p:cNvSpPr txBox="1"/>
+          <p:cNvPicPr>
+            <a:picLocks noChangeAspect="1"/>
+          </p:cNvPicPr>
           <p:nvPr/>
-        </p:nvSpPr>
-        <p:spPr>
-          <a:xfrm>
-            <a:off x="16066033" y="15517350"/>
-            <a:ext cx="2743200" cy="1208023"/>
+        </p:nvPicPr>
+        <p:blipFill>
+          <a:blip r:embed="rId16"/>
+          <a:stretch>
+            <a:fillRect/>
+          </a:stretch>
+        </p:blipFill>
+        <p:spPr>
+          <a:xfrm>
+            <a:off x="20051928" y="21545332"/>
+            <a:ext cx="7550628" cy="4108320"/>
           </a:xfrm>
           <a:prstGeom prst="rect">
             <a:avLst/>
           </a:prstGeom>
-          <a:noFill/>
-        </p:spPr>
-        <p:txBody>
-          <a:bodyPr rot="0" spcFirstLastPara="0" vertOverflow="overflow" horzOverflow="overflow" vert="horz" wrap="square" lIns="91440" tIns="45720" rIns="91440" bIns="45720" numCol="1" spcCol="0" rtlCol="0" fromWordArt="0" anchor="t" anchorCtr="0" forceAA="0" compatLnSpc="1">
-            <a:prstTxWarp prst="textNoShape">
-              <a:avLst/>
-            </a:prstTxWarp>
-            <a:spAutoFit/>
-          </a:bodyPr>
-          <a:lstStyle/>
-          <a:p>
-            <a:pPr algn="l"/>
-            <a:endParaRPr lang="en-US" sz="7250" dirty="0">
-              <a:cs typeface="Calibri"/>
-            </a:endParaRPr>
-          </a:p>
-        </p:txBody>
-      </p:sp>
+        </p:spPr>
+      </p:pic>
     </p:spTree>
     <p:extLst>
       <p:ext uri="{BB962C8B-B14F-4D97-AF65-F5344CB8AC3E}">
